--- a/static/images/image_development/Feedback slides.pptx
+++ b/static/images/image_development/Feedback slides.pptx
@@ -245,7 +245,7 @@
           <a:p>
             <a:fld id="{C764DE79-268F-4C1A-8933-263129D2AF90}" type="datetimeFigureOut">
               <a:rPr lang="en-US" dirty="0"/>
-              <a:t>12/17/2019</a:t>
+              <a:t>12/23/2019</a:t>
             </a:fld>
             <a:endParaRPr lang="en-US" dirty="0"/>
           </a:p>
@@ -415,7 +415,7 @@
           <a:p>
             <a:fld id="{C764DE79-268F-4C1A-8933-263129D2AF90}" type="datetimeFigureOut">
               <a:rPr lang="en-US" dirty="0"/>
-              <a:t>12/17/2019</a:t>
+              <a:t>12/23/2019</a:t>
             </a:fld>
             <a:endParaRPr lang="en-US" dirty="0"/>
           </a:p>
@@ -595,7 +595,7 @@
           <a:p>
             <a:fld id="{C764DE79-268F-4C1A-8933-263129D2AF90}" type="datetimeFigureOut">
               <a:rPr lang="en-US" dirty="0"/>
-              <a:t>12/17/2019</a:t>
+              <a:t>12/23/2019</a:t>
             </a:fld>
             <a:endParaRPr lang="en-US" dirty="0"/>
           </a:p>
@@ -795,7 +795,7 @@
           <a:p>
             <a:fld id="{C764DE79-268F-4C1A-8933-263129D2AF90}" type="datetimeFigureOut">
               <a:rPr lang="en-US" dirty="0"/>
-              <a:t>12/17/2019</a:t>
+              <a:t>12/23/2019</a:t>
             </a:fld>
             <a:endParaRPr lang="en-US" dirty="0"/>
           </a:p>
@@ -1041,7 +1041,7 @@
           <a:p>
             <a:fld id="{C764DE79-268F-4C1A-8933-263129D2AF90}" type="datetimeFigureOut">
               <a:rPr lang="en-US" dirty="0"/>
-              <a:t>12/17/2019</a:t>
+              <a:t>12/23/2019</a:t>
             </a:fld>
             <a:endParaRPr lang="en-US" dirty="0"/>
           </a:p>
@@ -1273,7 +1273,7 @@
           <a:p>
             <a:fld id="{C764DE79-268F-4C1A-8933-263129D2AF90}" type="datetimeFigureOut">
               <a:rPr lang="en-US" dirty="0"/>
-              <a:t>12/17/2019</a:t>
+              <a:t>12/23/2019</a:t>
             </a:fld>
             <a:endParaRPr lang="en-US" dirty="0"/>
           </a:p>
@@ -1640,7 +1640,7 @@
           <a:p>
             <a:fld id="{C764DE79-268F-4C1A-8933-263129D2AF90}" type="datetimeFigureOut">
               <a:rPr lang="en-US" dirty="0"/>
-              <a:t>12/17/2019</a:t>
+              <a:t>12/23/2019</a:t>
             </a:fld>
             <a:endParaRPr lang="en-US" dirty="0"/>
           </a:p>
@@ -1758,7 +1758,7 @@
           <a:p>
             <a:fld id="{C764DE79-268F-4C1A-8933-263129D2AF90}" type="datetimeFigureOut">
               <a:rPr lang="en-US" dirty="0"/>
-              <a:t>12/17/2019</a:t>
+              <a:t>12/23/2019</a:t>
             </a:fld>
             <a:endParaRPr lang="en-US" dirty="0"/>
           </a:p>
@@ -1853,7 +1853,7 @@
           <a:p>
             <a:fld id="{C764DE79-268F-4C1A-8933-263129D2AF90}" type="datetimeFigureOut">
               <a:rPr lang="en-US" dirty="0"/>
-              <a:t>12/17/2019</a:t>
+              <a:t>12/23/2019</a:t>
             </a:fld>
             <a:endParaRPr lang="en-US" dirty="0"/>
           </a:p>
@@ -2130,7 +2130,7 @@
           <a:p>
             <a:fld id="{C764DE79-268F-4C1A-8933-263129D2AF90}" type="datetimeFigureOut">
               <a:rPr lang="en-US" dirty="0"/>
-              <a:t>12/17/2019</a:t>
+              <a:t>12/23/2019</a:t>
             </a:fld>
             <a:endParaRPr lang="en-US" dirty="0"/>
           </a:p>
@@ -2387,7 +2387,7 @@
           <a:p>
             <a:fld id="{C764DE79-268F-4C1A-8933-263129D2AF90}" type="datetimeFigureOut">
               <a:rPr lang="en-US" dirty="0"/>
-              <a:t>12/17/2019</a:t>
+              <a:t>12/23/2019</a:t>
             </a:fld>
             <a:endParaRPr lang="en-US" dirty="0"/>
           </a:p>
@@ -2603,7 +2603,7 @@
           <a:p>
             <a:fld id="{C764DE79-268F-4C1A-8933-263129D2AF90}" type="datetimeFigureOut">
               <a:rPr lang="en-US" dirty="0"/>
-              <a:t>12/17/2019</a:t>
+              <a:t>12/23/2019</a:t>
             </a:fld>
             <a:endParaRPr lang="en-US" dirty="0"/>
           </a:p>
@@ -3128,10 +3128,10 @@
       </p:pic>
       <p:sp>
         <p:nvSpPr>
-          <p:cNvPr id="39" name="TextBox 38">
+          <p:cNvPr id="50" name="TextBox 49">
             <a:extLst>
               <a:ext uri="{FF2B5EF4-FFF2-40B4-BE49-F238E27FC236}">
-                <a16:creationId xmlns:a16="http://schemas.microsoft.com/office/drawing/2014/main" id="{06FB5736-7DB6-4556-BA2F-AF49B27A98C3}"/>
+                <a16:creationId xmlns:a16="http://schemas.microsoft.com/office/drawing/2014/main" id="{DE61F6FC-9A0A-44D0-922F-C407C01776B1}"/>
               </a:ext>
             </a:extLst>
           </p:cNvPr>
@@ -3140,8 +3140,8 @@
         </p:nvSpPr>
         <p:spPr>
           <a:xfrm>
-            <a:off x="6950729" y="4154356"/>
-            <a:ext cx="3233276" cy="2092881"/>
+            <a:off x="6972250" y="2842751"/>
+            <a:ext cx="7035182" cy="369332"/>
           </a:xfrm>
           <a:prstGeom prst="rect">
             <a:avLst/>
@@ -3156,33 +3156,25 @@
           <a:p>
             <a:pPr algn="ctr"/>
             <a:r>
-              <a:rPr lang="en-GB" sz="6600" dirty="0">
+              <a:rPr lang="en-GB" dirty="0">
                 <a:solidFill>
-                  <a:srgbClr val="01A850"/>
+                  <a:schemeClr val="accent5">
+                    <a:lumMod val="40000"/>
+                    <a:lumOff val="60000"/>
+                  </a:schemeClr>
                 </a:solidFill>
               </a:rPr>
-              <a:t>35% </a:t>
-            </a:r>
-          </a:p>
-          <a:p>
-            <a:pPr algn="ctr"/>
-            <a:r>
-              <a:rPr lang="en-GB" sz="3200" dirty="0">
-                <a:solidFill>
-                  <a:srgbClr val="01A850"/>
-                </a:solidFill>
-              </a:rPr>
-              <a:t>% OF TOWERS NEAR CANAL</a:t>
-            </a:r>
-          </a:p>
-        </p:txBody>
-      </p:sp>
-      <p:sp>
-        <p:nvSpPr>
-          <p:cNvPr id="49" name="Rectangle: Rounded Corners 48">
+              <a:t>[CLICK   ON  THE IMAGE   FOR    INFORMATION]</a:t>
+            </a:r>
+          </a:p>
+        </p:txBody>
+      </p:sp>
+      <p:sp>
+        <p:nvSpPr>
+          <p:cNvPr id="62" name="Rectangle: Rounded Corners 61">
             <a:extLst>
               <a:ext uri="{FF2B5EF4-FFF2-40B4-BE49-F238E27FC236}">
-                <a16:creationId xmlns:a16="http://schemas.microsoft.com/office/drawing/2014/main" id="{11E2E927-211C-442F-A4A8-CF01967F890E}"/>
+                <a16:creationId xmlns:a16="http://schemas.microsoft.com/office/drawing/2014/main" id="{33C380F9-DA99-49DC-AD34-87CB31AACD44}"/>
               </a:ext>
             </a:extLst>
           </p:cNvPr>
@@ -3191,8 +3183,8 @@
         </p:nvSpPr>
         <p:spPr>
           <a:xfrm>
-            <a:off x="6972251" y="3885717"/>
-            <a:ext cx="3233276" cy="2496158"/>
+            <a:off x="7534551" y="770611"/>
+            <a:ext cx="5910580" cy="2496158"/>
           </a:xfrm>
           <a:prstGeom prst="roundRect">
             <a:avLst/>
@@ -3235,10 +3227,10 @@
       </p:sp>
       <p:sp>
         <p:nvSpPr>
-          <p:cNvPr id="50" name="TextBox 49">
+          <p:cNvPr id="11" name="TextBox 10">
             <a:extLst>
               <a:ext uri="{FF2B5EF4-FFF2-40B4-BE49-F238E27FC236}">
-                <a16:creationId xmlns:a16="http://schemas.microsoft.com/office/drawing/2014/main" id="{DE61F6FC-9A0A-44D0-922F-C407C01776B1}"/>
+                <a16:creationId xmlns:a16="http://schemas.microsoft.com/office/drawing/2014/main" id="{F898F63A-DD64-4C1A-97EC-4C5AE8A9F4D4}"/>
               </a:ext>
             </a:extLst>
           </p:cNvPr>
@@ -3247,8 +3239,8 @@
         </p:nvSpPr>
         <p:spPr>
           <a:xfrm>
-            <a:off x="6972250" y="2842751"/>
-            <a:ext cx="7035182" cy="369332"/>
+            <a:off x="7556073" y="4154356"/>
+            <a:ext cx="5912341" cy="2092881"/>
           </a:xfrm>
           <a:prstGeom prst="rect">
             <a:avLst/>
@@ -3263,25 +3255,33 @@
           <a:p>
             <a:pPr algn="ctr"/>
             <a:r>
-              <a:rPr lang="en-GB" dirty="0">
+              <a:rPr lang="en-GB" sz="6600" dirty="0">
                 <a:solidFill>
-                  <a:schemeClr val="accent5">
-                    <a:lumMod val="40000"/>
-                    <a:lumOff val="60000"/>
-                  </a:schemeClr>
+                  <a:srgbClr val="E600AA"/>
                 </a:solidFill>
               </a:rPr>
-              <a:t>[CLICK   ON  THE IMAGE   FOR    INFORMATION]</a:t>
-            </a:r>
-          </a:p>
-        </p:txBody>
-      </p:sp>
-      <p:sp>
-        <p:nvSpPr>
-          <p:cNvPr id="62" name="Rectangle: Rounded Corners 61">
+              <a:t> </a:t>
+            </a:r>
+          </a:p>
+          <a:p>
+            <a:pPr algn="ctr"/>
+            <a:r>
+              <a:rPr lang="en-GB" sz="3200" dirty="0">
+                <a:solidFill>
+                  <a:srgbClr val="01A850"/>
+                </a:solidFill>
+              </a:rPr>
+              <a:t>PROPORTION OF TOWERS LOCATED NEAR CANAL</a:t>
+            </a:r>
+          </a:p>
+        </p:txBody>
+      </p:sp>
+      <p:sp>
+        <p:nvSpPr>
+          <p:cNvPr id="12" name="Rectangle: Rounded Corners 11">
             <a:extLst>
               <a:ext uri="{FF2B5EF4-FFF2-40B4-BE49-F238E27FC236}">
-                <a16:creationId xmlns:a16="http://schemas.microsoft.com/office/drawing/2014/main" id="{33C380F9-DA99-49DC-AD34-87CB31AACD44}"/>
+                <a16:creationId xmlns:a16="http://schemas.microsoft.com/office/drawing/2014/main" id="{EF11AE72-5520-4C5E-BCF0-3D280E0FA775}"/>
               </a:ext>
             </a:extLst>
           </p:cNvPr>
@@ -3290,8 +3290,8 @@
         </p:nvSpPr>
         <p:spPr>
           <a:xfrm>
-            <a:off x="6972250" y="770611"/>
-            <a:ext cx="7035182" cy="2496158"/>
+            <a:off x="7577595" y="3885717"/>
+            <a:ext cx="5890819" cy="2496158"/>
           </a:xfrm>
           <a:prstGeom prst="roundRect">
             <a:avLst/>
@@ -3329,113 +3329,6 @@
                 <a:srgbClr val="E600AA"/>
               </a:solidFill>
             </a:endParaRPr>
-          </a:p>
-        </p:txBody>
-      </p:sp>
-      <p:sp>
-        <p:nvSpPr>
-          <p:cNvPr id="107" name="Rectangle: Rounded Corners 106">
-            <a:extLst>
-              <a:ext uri="{FF2B5EF4-FFF2-40B4-BE49-F238E27FC236}">
-                <a16:creationId xmlns:a16="http://schemas.microsoft.com/office/drawing/2014/main" id="{0270B002-3CED-405E-B54E-311960DC175D}"/>
-              </a:ext>
-            </a:extLst>
-          </p:cNvPr>
-          <p:cNvSpPr/>
-          <p:nvPr/>
-        </p:nvSpPr>
-        <p:spPr>
-          <a:xfrm>
-            <a:off x="10774156" y="3885717"/>
-            <a:ext cx="3233276" cy="2496158"/>
-          </a:xfrm>
-          <a:prstGeom prst="roundRect">
-            <a:avLst/>
-          </a:prstGeom>
-          <a:noFill/>
-          <a:ln w="19050">
-            <a:solidFill>
-              <a:srgbClr val="01A850"/>
-            </a:solidFill>
-          </a:ln>
-        </p:spPr>
-        <p:style>
-          <a:lnRef idx="2">
-            <a:schemeClr val="accent1">
-              <a:shade val="50000"/>
-            </a:schemeClr>
-          </a:lnRef>
-          <a:fillRef idx="1">
-            <a:schemeClr val="accent1"/>
-          </a:fillRef>
-          <a:effectRef idx="0">
-            <a:schemeClr val="accent1"/>
-          </a:effectRef>
-          <a:fontRef idx="minor">
-            <a:schemeClr val="lt1"/>
-          </a:fontRef>
-        </p:style>
-        <p:txBody>
-          <a:bodyPr rtlCol="0" anchor="ctr"/>
-          <a:lstStyle/>
-          <a:p>
-            <a:pPr algn="ctr"/>
-            <a:endParaRPr lang="en-GB">
-              <a:solidFill>
-                <a:srgbClr val="E600AA"/>
-              </a:solidFill>
-            </a:endParaRPr>
-          </a:p>
-        </p:txBody>
-      </p:sp>
-      <p:sp>
-        <p:nvSpPr>
-          <p:cNvPr id="108" name="TextBox 107">
-            <a:extLst>
-              <a:ext uri="{FF2B5EF4-FFF2-40B4-BE49-F238E27FC236}">
-                <a16:creationId xmlns:a16="http://schemas.microsoft.com/office/drawing/2014/main" id="{31B4E28A-688C-4F82-A2ED-77D20C5BA77E}"/>
-              </a:ext>
-            </a:extLst>
-          </p:cNvPr>
-          <p:cNvSpPr txBox="1"/>
-          <p:nvPr/>
-        </p:nvSpPr>
-        <p:spPr>
-          <a:xfrm>
-            <a:off x="10774156" y="4154356"/>
-            <a:ext cx="3233276" cy="1969770"/>
-          </a:xfrm>
-          <a:prstGeom prst="rect">
-            <a:avLst/>
-          </a:prstGeom>
-          <a:noFill/>
-        </p:spPr>
-        <p:txBody>
-          <a:bodyPr wrap="square" rtlCol="0">
-            <a:spAutoFit/>
-          </a:bodyPr>
-          <a:lstStyle/>
-          <a:p>
-            <a:pPr algn="ctr"/>
-            <a:r>
-              <a:rPr lang="en-GB" sz="6600" dirty="0">
-                <a:solidFill>
-                  <a:srgbClr val="01A850"/>
-                </a:solidFill>
-              </a:rPr>
-              <a:t>35% </a:t>
-            </a:r>
-          </a:p>
-          <a:p>
-            <a:pPr algn="ctr"/>
-            <a:r>
-              <a:rPr lang="en-GB" sz="2800" dirty="0">
-                <a:solidFill>
-                  <a:srgbClr val="01A850"/>
-                </a:solidFill>
-              </a:rPr>
-              <a:t>% OF PUBLIC AREA NEAR CANAL</a:t>
-            </a:r>
           </a:p>
         </p:txBody>
       </p:sp>
@@ -3504,7 +3397,7 @@
                   <a:srgbClr val="E600AA"/>
                 </a:solidFill>
               </a:rPr>
-              <a:t>35% </a:t>
+              <a:t> </a:t>
             </a:r>
           </a:p>
           <a:p>
@@ -3515,7 +3408,7 @@
                   <a:srgbClr val="E600AA"/>
                 </a:solidFill>
               </a:rPr>
-              <a:t>YOUR RESIDENTIAL IS LOCATED NEAR RAILWAY</a:t>
+              <a:t>PROPORTION OF TOWERS LOCATED NEAR RAILWAY</a:t>
             </a:r>
           </a:p>
         </p:txBody>
@@ -3959,7 +3852,7 @@
                   <a:srgbClr val="E600AA"/>
                 </a:solidFill>
               </a:rPr>
-              <a:t>35% </a:t>
+              <a:t> </a:t>
             </a:r>
           </a:p>
           <a:p>
@@ -3970,7 +3863,7 @@
                   <a:srgbClr val="E600AA"/>
                 </a:solidFill>
               </a:rPr>
-              <a:t>YOUR RESIDENTIAL IS LOCATED NEAR RAILWAY</a:t>
+              <a:t>NUMBER OF UNDERPASSES CONSIDERED IN YOUR NETWORK</a:t>
             </a:r>
           </a:p>
         </p:txBody>

--- a/static/images/image_development/Feedback slides.pptx
+++ b/static/images/image_development/Feedback slides.pptx
@@ -245,7 +245,7 @@
           <a:p>
             <a:fld id="{C764DE79-268F-4C1A-8933-263129D2AF90}" type="datetimeFigureOut">
               <a:rPr lang="en-US" dirty="0"/>
-              <a:t>12/23/2019</a:t>
+              <a:t>1/7/2020</a:t>
             </a:fld>
             <a:endParaRPr lang="en-US" dirty="0"/>
           </a:p>
@@ -415,7 +415,7 @@
           <a:p>
             <a:fld id="{C764DE79-268F-4C1A-8933-263129D2AF90}" type="datetimeFigureOut">
               <a:rPr lang="en-US" dirty="0"/>
-              <a:t>12/23/2019</a:t>
+              <a:t>1/7/2020</a:t>
             </a:fld>
             <a:endParaRPr lang="en-US" dirty="0"/>
           </a:p>
@@ -595,7 +595,7 @@
           <a:p>
             <a:fld id="{C764DE79-268F-4C1A-8933-263129D2AF90}" type="datetimeFigureOut">
               <a:rPr lang="en-US" dirty="0"/>
-              <a:t>12/23/2019</a:t>
+              <a:t>1/7/2020</a:t>
             </a:fld>
             <a:endParaRPr lang="en-US" dirty="0"/>
           </a:p>
@@ -795,7 +795,7 @@
           <a:p>
             <a:fld id="{C764DE79-268F-4C1A-8933-263129D2AF90}" type="datetimeFigureOut">
               <a:rPr lang="en-US" dirty="0"/>
-              <a:t>12/23/2019</a:t>
+              <a:t>1/7/2020</a:t>
             </a:fld>
             <a:endParaRPr lang="en-US" dirty="0"/>
           </a:p>
@@ -1041,7 +1041,7 @@
           <a:p>
             <a:fld id="{C764DE79-268F-4C1A-8933-263129D2AF90}" type="datetimeFigureOut">
               <a:rPr lang="en-US" dirty="0"/>
-              <a:t>12/23/2019</a:t>
+              <a:t>1/7/2020</a:t>
             </a:fld>
             <a:endParaRPr lang="en-US" dirty="0"/>
           </a:p>
@@ -1273,7 +1273,7 @@
           <a:p>
             <a:fld id="{C764DE79-268F-4C1A-8933-263129D2AF90}" type="datetimeFigureOut">
               <a:rPr lang="en-US" dirty="0"/>
-              <a:t>12/23/2019</a:t>
+              <a:t>1/7/2020</a:t>
             </a:fld>
             <a:endParaRPr lang="en-US" dirty="0"/>
           </a:p>
@@ -1640,7 +1640,7 @@
           <a:p>
             <a:fld id="{C764DE79-268F-4C1A-8933-263129D2AF90}" type="datetimeFigureOut">
               <a:rPr lang="en-US" dirty="0"/>
-              <a:t>12/23/2019</a:t>
+              <a:t>1/7/2020</a:t>
             </a:fld>
             <a:endParaRPr lang="en-US" dirty="0"/>
           </a:p>
@@ -1758,7 +1758,7 @@
           <a:p>
             <a:fld id="{C764DE79-268F-4C1A-8933-263129D2AF90}" type="datetimeFigureOut">
               <a:rPr lang="en-US" dirty="0"/>
-              <a:t>12/23/2019</a:t>
+              <a:t>1/7/2020</a:t>
             </a:fld>
             <a:endParaRPr lang="en-US" dirty="0"/>
           </a:p>
@@ -1853,7 +1853,7 @@
           <a:p>
             <a:fld id="{C764DE79-268F-4C1A-8933-263129D2AF90}" type="datetimeFigureOut">
               <a:rPr lang="en-US" dirty="0"/>
-              <a:t>12/23/2019</a:t>
+              <a:t>1/7/2020</a:t>
             </a:fld>
             <a:endParaRPr lang="en-US" dirty="0"/>
           </a:p>
@@ -2130,7 +2130,7 @@
           <a:p>
             <a:fld id="{C764DE79-268F-4C1A-8933-263129D2AF90}" type="datetimeFigureOut">
               <a:rPr lang="en-US" dirty="0"/>
-              <a:t>12/23/2019</a:t>
+              <a:t>1/7/2020</a:t>
             </a:fld>
             <a:endParaRPr lang="en-US" dirty="0"/>
           </a:p>
@@ -2387,7 +2387,7 @@
           <a:p>
             <a:fld id="{C764DE79-268F-4C1A-8933-263129D2AF90}" type="datetimeFigureOut">
               <a:rPr lang="en-US" dirty="0"/>
-              <a:t>12/23/2019</a:t>
+              <a:t>1/7/2020</a:t>
             </a:fld>
             <a:endParaRPr lang="en-US" dirty="0"/>
           </a:p>
@@ -2603,7 +2603,7 @@
           <a:p>
             <a:fld id="{C764DE79-268F-4C1A-8933-263129D2AF90}" type="datetimeFigureOut">
               <a:rPr lang="en-US" dirty="0"/>
-              <a:t>12/23/2019</a:t>
+              <a:t>1/7/2020</a:t>
             </a:fld>
             <a:endParaRPr lang="en-US" dirty="0"/>
           </a:p>
@@ -3009,123 +3009,6 @@
           <a:chExt cx="0" cy="0"/>
         </a:xfrm>
       </p:grpSpPr>
-      <p:pic>
-        <p:nvPicPr>
-          <p:cNvPr id="94" name="Graphic 93" descr="Heart with pulse">
-            <a:extLst>
-              <a:ext uri="{FF2B5EF4-FFF2-40B4-BE49-F238E27FC236}">
-                <a16:creationId xmlns:a16="http://schemas.microsoft.com/office/drawing/2014/main" id="{1FF0FA4B-6CD2-4305-B5DD-BB199A1C4ECE}"/>
-              </a:ext>
-            </a:extLst>
-          </p:cNvPr>
-          <p:cNvPicPr>
-            <a:picLocks noChangeAspect="1"/>
-          </p:cNvPicPr>
-          <p:nvPr/>
-        </p:nvPicPr>
-        <p:blipFill>
-          <a:blip r:embed="rId2">
-            <a:extLst>
-              <a:ext uri="{28A0092B-C50C-407E-A947-70E740481C1C}">
-                <a14:useLocalDpi xmlns:a14="http://schemas.microsoft.com/office/drawing/2010/main" val="0"/>
-              </a:ext>
-              <a:ext uri="{96DAC541-7B7A-43D3-8B79-37D633B846F1}">
-                <asvg:svgBlip xmlns:asvg="http://schemas.microsoft.com/office/drawing/2016/SVG/main" r:embed="rId3"/>
-              </a:ext>
-            </a:extLst>
-          </a:blip>
-          <a:stretch>
-            <a:fillRect/>
-          </a:stretch>
-        </p:blipFill>
-        <p:spPr>
-          <a:xfrm>
-            <a:off x="8107187" y="1190414"/>
-            <a:ext cx="1517699" cy="1517699"/>
-          </a:xfrm>
-          <a:prstGeom prst="rect">
-            <a:avLst/>
-          </a:prstGeom>
-        </p:spPr>
-      </p:pic>
-      <p:pic>
-        <p:nvPicPr>
-          <p:cNvPr id="96" name="Graphic 95" descr="Deciduous tree">
-            <a:extLst>
-              <a:ext uri="{FF2B5EF4-FFF2-40B4-BE49-F238E27FC236}">
-                <a16:creationId xmlns:a16="http://schemas.microsoft.com/office/drawing/2014/main" id="{25ADDF67-0B71-42DA-A862-37C7331A729E}"/>
-              </a:ext>
-            </a:extLst>
-          </p:cNvPr>
-          <p:cNvPicPr>
-            <a:picLocks noChangeAspect="1"/>
-          </p:cNvPicPr>
-          <p:nvPr/>
-        </p:nvPicPr>
-        <p:blipFill>
-          <a:blip r:embed="rId4">
-            <a:extLst>
-              <a:ext uri="{28A0092B-C50C-407E-A947-70E740481C1C}">
-                <a14:useLocalDpi xmlns:a14="http://schemas.microsoft.com/office/drawing/2010/main" val="0"/>
-              </a:ext>
-              <a:ext uri="{96DAC541-7B7A-43D3-8B79-37D633B846F1}">
-                <asvg:svgBlip xmlns:asvg="http://schemas.microsoft.com/office/drawing/2016/SVG/main" r:embed="rId5"/>
-              </a:ext>
-            </a:extLst>
-          </a:blip>
-          <a:stretch>
-            <a:fillRect/>
-          </a:stretch>
-        </p:blipFill>
-        <p:spPr>
-          <a:xfrm>
-            <a:off x="9846669" y="1215793"/>
-            <a:ext cx="1319682" cy="1319682"/>
-          </a:xfrm>
-          <a:prstGeom prst="rect">
-            <a:avLst/>
-          </a:prstGeom>
-        </p:spPr>
-      </p:pic>
-      <p:pic>
-        <p:nvPicPr>
-          <p:cNvPr id="97" name="Graphic 96" descr="Walk">
-            <a:extLst>
-              <a:ext uri="{FF2B5EF4-FFF2-40B4-BE49-F238E27FC236}">
-                <a16:creationId xmlns:a16="http://schemas.microsoft.com/office/drawing/2014/main" id="{607509A1-9BDC-497E-8D4E-1D307DFCC98E}"/>
-              </a:ext>
-            </a:extLst>
-          </p:cNvPr>
-          <p:cNvPicPr>
-            <a:picLocks noChangeAspect="1"/>
-          </p:cNvPicPr>
-          <p:nvPr/>
-        </p:nvPicPr>
-        <p:blipFill>
-          <a:blip r:embed="rId6">
-            <a:extLst>
-              <a:ext uri="{28A0092B-C50C-407E-A947-70E740481C1C}">
-                <a14:useLocalDpi xmlns:a14="http://schemas.microsoft.com/office/drawing/2010/main" val="0"/>
-              </a:ext>
-              <a:ext uri="{96DAC541-7B7A-43D3-8B79-37D633B846F1}">
-                <asvg:svgBlip xmlns:asvg="http://schemas.microsoft.com/office/drawing/2016/SVG/main" r:embed="rId7"/>
-              </a:ext>
-            </a:extLst>
-          </a:blip>
-          <a:stretch>
-            <a:fillRect/>
-          </a:stretch>
-        </p:blipFill>
-        <p:spPr>
-          <a:xfrm>
-            <a:off x="11432752" y="1321687"/>
-            <a:ext cx="1319683" cy="1319683"/>
-          </a:xfrm>
-          <a:prstGeom prst="rect">
-            <a:avLst/>
-          </a:prstGeom>
-        </p:spPr>
-      </p:pic>
       <p:sp>
         <p:nvSpPr>
           <p:cNvPr id="50" name="TextBox 49">
@@ -3140,7 +3023,7 @@
         </p:nvSpPr>
         <p:spPr>
           <a:xfrm>
-            <a:off x="6972250" y="2842751"/>
+            <a:off x="7015294" y="2842751"/>
             <a:ext cx="7035182" cy="369332"/>
           </a:xfrm>
           <a:prstGeom prst="rect">
@@ -3183,7 +3066,7 @@
         </p:nvSpPr>
         <p:spPr>
           <a:xfrm>
-            <a:off x="7534551" y="770611"/>
+            <a:off x="7577595" y="770611"/>
             <a:ext cx="5910580" cy="2496158"/>
           </a:xfrm>
           <a:prstGeom prst="roundRect">
@@ -3240,7 +3123,7 @@
         <p:spPr>
           <a:xfrm>
             <a:off x="7556073" y="4154356"/>
-            <a:ext cx="5912341" cy="2092881"/>
+            <a:ext cx="5912341" cy="1600438"/>
           </a:xfrm>
           <a:prstGeom prst="rect">
             <a:avLst/>
@@ -3271,7 +3154,7 @@
                   <a:srgbClr val="01A850"/>
                 </a:solidFill>
               </a:rPr>
-              <a:t>PROPORTION OF TOWERS LOCATED NEAR CANAL</a:t>
+              <a:t>STILL IN DEVELOPMENT</a:t>
             </a:r>
           </a:p>
         </p:txBody>
@@ -3332,6 +3215,84 @@
           </a:p>
         </p:txBody>
       </p:sp>
+      <p:pic>
+        <p:nvPicPr>
+          <p:cNvPr id="9" name="Graphic 8" descr="Wave">
+            <a:extLst>
+              <a:ext uri="{FF2B5EF4-FFF2-40B4-BE49-F238E27FC236}">
+                <a16:creationId xmlns:a16="http://schemas.microsoft.com/office/drawing/2014/main" id="{647F8269-2A54-4D8F-83BA-C5824BD3B3E2}"/>
+              </a:ext>
+            </a:extLst>
+          </p:cNvPr>
+          <p:cNvPicPr>
+            <a:picLocks noChangeAspect="1"/>
+          </p:cNvPicPr>
+          <p:nvPr/>
+        </p:nvPicPr>
+        <p:blipFill>
+          <a:blip r:embed="rId2">
+            <a:extLst>
+              <a:ext uri="{28A0092B-C50C-407E-A947-70E740481C1C}">
+                <a14:useLocalDpi xmlns:a14="http://schemas.microsoft.com/office/drawing/2010/main" val="0"/>
+              </a:ext>
+              <a:ext uri="{96DAC541-7B7A-43D3-8B79-37D633B846F1}">
+                <asvg:svgBlip xmlns:asvg="http://schemas.microsoft.com/office/drawing/2016/SVG/main" r:embed="rId3"/>
+              </a:ext>
+            </a:extLst>
+          </a:blip>
+          <a:stretch>
+            <a:fillRect/>
+          </a:stretch>
+        </p:blipFill>
+        <p:spPr>
+          <a:xfrm>
+            <a:off x="10936578" y="1048573"/>
+            <a:ext cx="1526326" cy="1526326"/>
+          </a:xfrm>
+          <a:prstGeom prst="rect">
+            <a:avLst/>
+          </a:prstGeom>
+        </p:spPr>
+      </p:pic>
+      <p:pic>
+        <p:nvPicPr>
+          <p:cNvPr id="10" name="Graphic 9" descr="Rain">
+            <a:extLst>
+              <a:ext uri="{FF2B5EF4-FFF2-40B4-BE49-F238E27FC236}">
+                <a16:creationId xmlns:a16="http://schemas.microsoft.com/office/drawing/2014/main" id="{210A33FA-5AEA-449E-960E-8378C7D7DF77}"/>
+              </a:ext>
+            </a:extLst>
+          </p:cNvPr>
+          <p:cNvPicPr>
+            <a:picLocks noChangeAspect="1"/>
+          </p:cNvPicPr>
+          <p:nvPr/>
+        </p:nvPicPr>
+        <p:blipFill>
+          <a:blip r:embed="rId4">
+            <a:extLst>
+              <a:ext uri="{28A0092B-C50C-407E-A947-70E740481C1C}">
+                <a14:useLocalDpi xmlns:a14="http://schemas.microsoft.com/office/drawing/2010/main" val="0"/>
+              </a:ext>
+              <a:ext uri="{96DAC541-7B7A-43D3-8B79-37D633B846F1}">
+                <asvg:svgBlip xmlns:asvg="http://schemas.microsoft.com/office/drawing/2016/SVG/main" r:embed="rId5"/>
+              </a:ext>
+            </a:extLst>
+          </a:blip>
+          <a:stretch>
+            <a:fillRect/>
+          </a:stretch>
+        </p:blipFill>
+        <p:spPr>
+          <a:xfrm>
+            <a:off x="8572672" y="1067485"/>
+            <a:ext cx="1526326" cy="1526326"/>
+          </a:xfrm>
+          <a:prstGeom prst="rect">
+            <a:avLst/>
+          </a:prstGeom>
+        </p:spPr>
+      </p:pic>
     </p:spTree>
     <p:extLst>
       <p:ext uri="{BB962C8B-B14F-4D97-AF65-F5344CB8AC3E}">
@@ -3377,7 +3338,7 @@
         <p:spPr>
           <a:xfrm>
             <a:off x="7556073" y="4154356"/>
-            <a:ext cx="5912341" cy="2092881"/>
+            <a:ext cx="5912341" cy="1600438"/>
           </a:xfrm>
           <a:prstGeom prst="rect">
             <a:avLst/>
@@ -3408,230 +3369,11 @@
                   <a:srgbClr val="E600AA"/>
                 </a:solidFill>
               </a:rPr>
-              <a:t>PROPORTION OF TOWERS LOCATED NEAR RAILWAY</a:t>
-            </a:r>
-          </a:p>
-        </p:txBody>
-      </p:sp>
-      <p:pic>
-        <p:nvPicPr>
-          <p:cNvPr id="5" name="Graphic 4" descr="Train">
-            <a:extLst>
-              <a:ext uri="{FF2B5EF4-FFF2-40B4-BE49-F238E27FC236}">
-                <a16:creationId xmlns:a16="http://schemas.microsoft.com/office/drawing/2014/main" id="{E016248E-8465-4A86-9E50-6D7E4BBD39CB}"/>
-              </a:ext>
-            </a:extLst>
-          </p:cNvPr>
-          <p:cNvPicPr>
-            <a:picLocks noChangeAspect="1"/>
-          </p:cNvPicPr>
-          <p:nvPr/>
-        </p:nvPicPr>
-        <p:blipFill>
-          <a:blip r:embed="rId2">
-            <a:extLst>
-              <a:ext uri="{28A0092B-C50C-407E-A947-70E740481C1C}">
-                <a14:useLocalDpi xmlns:a14="http://schemas.microsoft.com/office/drawing/2010/main" val="0"/>
-              </a:ext>
-              <a:ext uri="{96DAC541-7B7A-43D3-8B79-37D633B846F1}">
-                <asvg:svgBlip xmlns:asvg="http://schemas.microsoft.com/office/drawing/2016/SVG/main" r:embed="rId3"/>
-              </a:ext>
-            </a:extLst>
-          </a:blip>
-          <a:stretch>
-            <a:fillRect/>
-          </a:stretch>
-        </p:blipFill>
-        <p:spPr>
-          <a:xfrm>
-            <a:off x="8139309" y="1109577"/>
-            <a:ext cx="1538243" cy="1538243"/>
-          </a:xfrm>
-          <a:prstGeom prst="rect">
-            <a:avLst/>
-          </a:prstGeom>
-        </p:spPr>
-      </p:pic>
-      <p:grpSp>
-        <p:nvGrpSpPr>
-          <p:cNvPr id="6" name="Group 5">
-            <a:extLst>
-              <a:ext uri="{FF2B5EF4-FFF2-40B4-BE49-F238E27FC236}">
-                <a16:creationId xmlns:a16="http://schemas.microsoft.com/office/drawing/2014/main" id="{CBD1BA95-875F-4656-BE0C-CD4F79EECE97}"/>
-              </a:ext>
-            </a:extLst>
-          </p:cNvPr>
-          <p:cNvGrpSpPr/>
-          <p:nvPr/>
-        </p:nvGrpSpPr>
-        <p:grpSpPr>
-          <a:xfrm>
-            <a:off x="9981784" y="1297227"/>
-            <a:ext cx="1160488" cy="1387173"/>
-            <a:chOff x="4910931" y="9451164"/>
-            <a:chExt cx="914400" cy="1093015"/>
-          </a:xfrm>
-          <a:solidFill>
-            <a:srgbClr val="E600AA"/>
-          </a:solidFill>
-        </p:grpSpPr>
-        <p:pic>
-          <p:nvPicPr>
-            <p:cNvPr id="3" name="Graphic 2" descr="Lightning bolt">
-              <a:extLst>
-                <a:ext uri="{FF2B5EF4-FFF2-40B4-BE49-F238E27FC236}">
-                  <a16:creationId xmlns:a16="http://schemas.microsoft.com/office/drawing/2014/main" id="{9BD20E09-B28F-4E98-8B86-EE8C4364A501}"/>
-                </a:ext>
-              </a:extLst>
-            </p:cNvPr>
-            <p:cNvPicPr>
-              <a:picLocks noChangeAspect="1"/>
-            </p:cNvPicPr>
-            <p:nvPr/>
-          </p:nvPicPr>
-          <p:blipFill>
-            <a:blip r:embed="rId4">
-              <a:extLst>
-                <a:ext uri="{28A0092B-C50C-407E-A947-70E740481C1C}">
-                  <a14:useLocalDpi xmlns:a14="http://schemas.microsoft.com/office/drawing/2010/main" val="0"/>
-                </a:ext>
-                <a:ext uri="{96DAC541-7B7A-43D3-8B79-37D633B846F1}">
-                  <asvg:svgBlip xmlns:asvg="http://schemas.microsoft.com/office/drawing/2016/SVG/main" r:embed="rId5"/>
-                </a:ext>
-              </a:extLst>
-            </a:blip>
-            <a:stretch>
-              <a:fillRect/>
-            </a:stretch>
-          </p:blipFill>
-          <p:spPr>
-            <a:xfrm rot="5400000">
-              <a:off x="5145483" y="9550006"/>
-              <a:ext cx="445296" cy="914400"/>
-            </a:xfrm>
-            <a:prstGeom prst="rect">
-              <a:avLst/>
-            </a:prstGeom>
-          </p:spPr>
-        </p:pic>
-        <p:pic>
-          <p:nvPicPr>
-            <p:cNvPr id="23" name="Graphic 22" descr="Lightning bolt">
-              <a:extLst>
-                <a:ext uri="{FF2B5EF4-FFF2-40B4-BE49-F238E27FC236}">
-                  <a16:creationId xmlns:a16="http://schemas.microsoft.com/office/drawing/2014/main" id="{DB797A31-27C0-4085-A129-C5B3883CA342}"/>
-                </a:ext>
-              </a:extLst>
-            </p:cNvPr>
-            <p:cNvPicPr>
-              <a:picLocks noChangeAspect="1"/>
-            </p:cNvPicPr>
-            <p:nvPr/>
-          </p:nvPicPr>
-          <p:blipFill>
-            <a:blip r:embed="rId4">
-              <a:extLst>
-                <a:ext uri="{28A0092B-C50C-407E-A947-70E740481C1C}">
-                  <a14:useLocalDpi xmlns:a14="http://schemas.microsoft.com/office/drawing/2010/main" val="0"/>
-                </a:ext>
-                <a:ext uri="{96DAC541-7B7A-43D3-8B79-37D633B846F1}">
-                  <asvg:svgBlip xmlns:asvg="http://schemas.microsoft.com/office/drawing/2016/SVG/main" r:embed="rId5"/>
-                </a:ext>
-              </a:extLst>
-            </a:blip>
-            <a:stretch>
-              <a:fillRect/>
-            </a:stretch>
-          </p:blipFill>
-          <p:spPr>
-            <a:xfrm rot="6300000">
-              <a:off x="5145483" y="9864331"/>
-              <a:ext cx="445296" cy="914400"/>
-            </a:xfrm>
-            <a:prstGeom prst="rect">
-              <a:avLst/>
-            </a:prstGeom>
-          </p:spPr>
-        </p:pic>
-        <p:pic>
-          <p:nvPicPr>
-            <p:cNvPr id="24" name="Graphic 23" descr="Lightning bolt">
-              <a:extLst>
-                <a:ext uri="{FF2B5EF4-FFF2-40B4-BE49-F238E27FC236}">
-                  <a16:creationId xmlns:a16="http://schemas.microsoft.com/office/drawing/2014/main" id="{E4BA6D93-2788-4169-9181-07CC794D9E36}"/>
-                </a:ext>
-              </a:extLst>
-            </p:cNvPr>
-            <p:cNvPicPr>
-              <a:picLocks noChangeAspect="1"/>
-            </p:cNvPicPr>
-            <p:nvPr/>
-          </p:nvPicPr>
-          <p:blipFill>
-            <a:blip r:embed="rId4">
-              <a:extLst>
-                <a:ext uri="{28A0092B-C50C-407E-A947-70E740481C1C}">
-                  <a14:useLocalDpi xmlns:a14="http://schemas.microsoft.com/office/drawing/2010/main" val="0"/>
-                </a:ext>
-                <a:ext uri="{96DAC541-7B7A-43D3-8B79-37D633B846F1}">
-                  <asvg:svgBlip xmlns:asvg="http://schemas.microsoft.com/office/drawing/2016/SVG/main" r:embed="rId5"/>
-                </a:ext>
-              </a:extLst>
-            </a:blip>
-            <a:stretch>
-              <a:fillRect/>
-            </a:stretch>
-          </p:blipFill>
-          <p:spPr>
-            <a:xfrm rot="4500000">
-              <a:off x="5145483" y="9216612"/>
-              <a:ext cx="445296" cy="914400"/>
-            </a:xfrm>
-            <a:prstGeom prst="rect">
-              <a:avLst/>
-            </a:prstGeom>
-          </p:spPr>
-        </p:pic>
-      </p:grpSp>
-      <p:pic>
-        <p:nvPicPr>
-          <p:cNvPr id="33" name="Graphic 32" descr="Deaf">
-            <a:extLst>
-              <a:ext uri="{FF2B5EF4-FFF2-40B4-BE49-F238E27FC236}">
-                <a16:creationId xmlns:a16="http://schemas.microsoft.com/office/drawing/2014/main" id="{BD2A5EF0-D54C-4209-A212-AF97A0389101}"/>
-              </a:ext>
-            </a:extLst>
-          </p:cNvPr>
-          <p:cNvPicPr>
-            <a:picLocks noChangeAspect="1"/>
-          </p:cNvPicPr>
-          <p:nvPr/>
-        </p:nvPicPr>
-        <p:blipFill>
-          <a:blip r:embed="rId6">
-            <a:extLst>
-              <a:ext uri="{28A0092B-C50C-407E-A947-70E740481C1C}">
-                <a14:useLocalDpi xmlns:a14="http://schemas.microsoft.com/office/drawing/2010/main" val="0"/>
-              </a:ext>
-              <a:ext uri="{96DAC541-7B7A-43D3-8B79-37D633B846F1}">
-                <asvg:svgBlip xmlns:asvg="http://schemas.microsoft.com/office/drawing/2016/SVG/main" r:embed="rId7"/>
-              </a:ext>
-            </a:extLst>
-          </a:blip>
-          <a:stretch>
-            <a:fillRect/>
-          </a:stretch>
-        </p:blipFill>
-        <p:spPr>
-          <a:xfrm>
-            <a:off x="11544492" y="1385083"/>
-            <a:ext cx="1267213" cy="1267213"/>
-          </a:xfrm>
-          <a:prstGeom prst="rect">
-            <a:avLst/>
-          </a:prstGeom>
-        </p:spPr>
-      </p:pic>
+              <a:t>STILL IN DEVELOPMENT</a:t>
+            </a:r>
+          </a:p>
+        </p:txBody>
+      </p:sp>
       <p:sp>
         <p:nvSpPr>
           <p:cNvPr id="79" name="Rectangle: Rounded Corners 78">
@@ -3787,6 +3529,123 @@
           </a:p>
         </p:txBody>
       </p:sp>
+      <p:pic>
+        <p:nvPicPr>
+          <p:cNvPr id="13" name="Graphic 12" descr="Deciduous tree">
+            <a:extLst>
+              <a:ext uri="{FF2B5EF4-FFF2-40B4-BE49-F238E27FC236}">
+                <a16:creationId xmlns:a16="http://schemas.microsoft.com/office/drawing/2014/main" id="{43B5DB5F-49FD-4263-BF62-6E8BEE3F0E10}"/>
+              </a:ext>
+            </a:extLst>
+          </p:cNvPr>
+          <p:cNvPicPr>
+            <a:picLocks noChangeAspect="1"/>
+          </p:cNvPicPr>
+          <p:nvPr/>
+        </p:nvPicPr>
+        <p:blipFill>
+          <a:blip r:embed="rId2">
+            <a:extLst>
+              <a:ext uri="{28A0092B-C50C-407E-A947-70E740481C1C}">
+                <a14:useLocalDpi xmlns:a14="http://schemas.microsoft.com/office/drawing/2010/main" val="0"/>
+              </a:ext>
+              <a:ext uri="{96DAC541-7B7A-43D3-8B79-37D633B846F1}">
+                <asvg:svgBlip xmlns:asvg="http://schemas.microsoft.com/office/drawing/2016/SVG/main" r:embed="rId3"/>
+              </a:ext>
+            </a:extLst>
+          </a:blip>
+          <a:stretch>
+            <a:fillRect/>
+          </a:stretch>
+        </p:blipFill>
+        <p:spPr>
+          <a:xfrm>
+            <a:off x="9846669" y="1215793"/>
+            <a:ext cx="1319682" cy="1319682"/>
+          </a:xfrm>
+          <a:prstGeom prst="rect">
+            <a:avLst/>
+          </a:prstGeom>
+        </p:spPr>
+      </p:pic>
+      <p:pic>
+        <p:nvPicPr>
+          <p:cNvPr id="4" name="Graphic 3" descr="Rabbit">
+            <a:extLst>
+              <a:ext uri="{FF2B5EF4-FFF2-40B4-BE49-F238E27FC236}">
+                <a16:creationId xmlns:a16="http://schemas.microsoft.com/office/drawing/2014/main" id="{C8133E34-9FD7-4837-B82A-E8E22F2AC3F8}"/>
+              </a:ext>
+            </a:extLst>
+          </p:cNvPr>
+          <p:cNvPicPr>
+            <a:picLocks noChangeAspect="1"/>
+          </p:cNvPicPr>
+          <p:nvPr/>
+        </p:nvPicPr>
+        <p:blipFill>
+          <a:blip r:embed="rId4">
+            <a:extLst>
+              <a:ext uri="{28A0092B-C50C-407E-A947-70E740481C1C}">
+                <a14:useLocalDpi xmlns:a14="http://schemas.microsoft.com/office/drawing/2010/main" val="0"/>
+              </a:ext>
+              <a:ext uri="{96DAC541-7B7A-43D3-8B79-37D633B846F1}">
+                <asvg:svgBlip xmlns:asvg="http://schemas.microsoft.com/office/drawing/2016/SVG/main" r:embed="rId5"/>
+              </a:ext>
+            </a:extLst>
+          </a:blip>
+          <a:stretch>
+            <a:fillRect/>
+          </a:stretch>
+        </p:blipFill>
+        <p:spPr>
+          <a:xfrm>
+            <a:off x="8047082" y="1163750"/>
+            <a:ext cx="1319681" cy="1319681"/>
+          </a:xfrm>
+          <a:prstGeom prst="rect">
+            <a:avLst/>
+          </a:prstGeom>
+        </p:spPr>
+      </p:pic>
+      <p:pic>
+        <p:nvPicPr>
+          <p:cNvPr id="8" name="Graphic 7" descr="Sparrow">
+            <a:extLst>
+              <a:ext uri="{FF2B5EF4-FFF2-40B4-BE49-F238E27FC236}">
+                <a16:creationId xmlns:a16="http://schemas.microsoft.com/office/drawing/2014/main" id="{65837994-4735-413B-9FAD-4FCB4DA0F8AB}"/>
+              </a:ext>
+            </a:extLst>
+          </p:cNvPr>
+          <p:cNvPicPr>
+            <a:picLocks noChangeAspect="1"/>
+          </p:cNvPicPr>
+          <p:nvPr/>
+        </p:nvPicPr>
+        <p:blipFill>
+          <a:blip r:embed="rId6">
+            <a:extLst>
+              <a:ext uri="{28A0092B-C50C-407E-A947-70E740481C1C}">
+                <a14:useLocalDpi xmlns:a14="http://schemas.microsoft.com/office/drawing/2010/main" val="0"/>
+              </a:ext>
+              <a:ext uri="{96DAC541-7B7A-43D3-8B79-37D633B846F1}">
+                <asvg:svgBlip xmlns:asvg="http://schemas.microsoft.com/office/drawing/2016/SVG/main" r:embed="rId7"/>
+              </a:ext>
+            </a:extLst>
+          </a:blip>
+          <a:stretch>
+            <a:fillRect/>
+          </a:stretch>
+        </p:blipFill>
+        <p:spPr>
+          <a:xfrm>
+            <a:off x="11785206" y="1313750"/>
+            <a:ext cx="1319681" cy="1319681"/>
+          </a:xfrm>
+          <a:prstGeom prst="rect">
+            <a:avLst/>
+          </a:prstGeom>
+        </p:spPr>
+      </p:pic>
     </p:spTree>
     <p:extLst>
       <p:ext uri="{BB962C8B-B14F-4D97-AF65-F5344CB8AC3E}">
@@ -3832,7 +3691,7 @@
         <p:spPr>
           <a:xfrm>
             <a:off x="7556073" y="4154356"/>
-            <a:ext cx="5912341" cy="2092881"/>
+            <a:ext cx="5912341" cy="1600438"/>
           </a:xfrm>
           <a:prstGeom prst="rect">
             <a:avLst/>
@@ -3863,50 +3722,11 @@
                   <a:srgbClr val="E600AA"/>
                 </a:solidFill>
               </a:rPr>
-              <a:t>NUMBER OF UNDERPASSES CONSIDERED IN YOUR NETWORK</a:t>
-            </a:r>
-          </a:p>
-        </p:txBody>
-      </p:sp>
-      <p:pic>
-        <p:nvPicPr>
-          <p:cNvPr id="100" name="Graphic 99" descr="Train">
-            <a:extLst>
-              <a:ext uri="{FF2B5EF4-FFF2-40B4-BE49-F238E27FC236}">
-                <a16:creationId xmlns:a16="http://schemas.microsoft.com/office/drawing/2014/main" id="{028C80C8-E445-409A-9381-FCB857C12E9A}"/>
-              </a:ext>
-            </a:extLst>
-          </p:cNvPr>
-          <p:cNvPicPr>
-            <a:picLocks noChangeAspect="1"/>
-          </p:cNvPicPr>
-          <p:nvPr/>
-        </p:nvPicPr>
-        <p:blipFill>
-          <a:blip r:embed="rId2">
-            <a:extLst>
-              <a:ext uri="{28A0092B-C50C-407E-A947-70E740481C1C}">
-                <a14:useLocalDpi xmlns:a14="http://schemas.microsoft.com/office/drawing/2010/main" val="0"/>
-              </a:ext>
-              <a:ext uri="{96DAC541-7B7A-43D3-8B79-37D633B846F1}">
-                <asvg:svgBlip xmlns:asvg="http://schemas.microsoft.com/office/drawing/2016/SVG/main" r:embed="rId3"/>
-              </a:ext>
-            </a:extLst>
-          </a:blip>
-          <a:stretch>
-            <a:fillRect/>
-          </a:stretch>
-        </p:blipFill>
-        <p:spPr>
-          <a:xfrm>
-            <a:off x="10960802" y="1109577"/>
-            <a:ext cx="1538243" cy="1538243"/>
-          </a:xfrm>
-          <a:prstGeom prst="rect">
-            <a:avLst/>
-          </a:prstGeom>
-        </p:spPr>
-      </p:pic>
+              <a:t>STILL IN DEVELOPMENT</a:t>
+            </a:r>
+          </a:p>
+        </p:txBody>
+      </p:sp>
       <p:sp>
         <p:nvSpPr>
           <p:cNvPr id="106" name="Rectangle: Rounded Corners 105">
@@ -4064,10 +3884,10 @@
       </p:sp>
       <p:pic>
         <p:nvPicPr>
-          <p:cNvPr id="3" name="Graphic 2" descr="Walk">
+          <p:cNvPr id="8" name="Graphic 7" descr="Image">
             <a:extLst>
               <a:ext uri="{FF2B5EF4-FFF2-40B4-BE49-F238E27FC236}">
-                <a16:creationId xmlns:a16="http://schemas.microsoft.com/office/drawing/2014/main" id="{6051EFD1-AE9E-47A3-B175-7C90E4E30782}"/>
+                <a16:creationId xmlns:a16="http://schemas.microsoft.com/office/drawing/2014/main" id="{FBD48E29-5D3B-415C-9C87-4E7AC1FBCEC7}"/>
               </a:ext>
             </a:extLst>
           </p:cNvPr>
@@ -4077,13 +3897,13 @@
           <p:nvPr/>
         </p:nvPicPr>
         <p:blipFill>
-          <a:blip r:embed="rId4">
+          <a:blip r:embed="rId2">
             <a:extLst>
               <a:ext uri="{28A0092B-C50C-407E-A947-70E740481C1C}">
                 <a14:useLocalDpi xmlns:a14="http://schemas.microsoft.com/office/drawing/2010/main" val="0"/>
               </a:ext>
               <a:ext uri="{96DAC541-7B7A-43D3-8B79-37D633B846F1}">
-                <asvg:svgBlip xmlns:asvg="http://schemas.microsoft.com/office/drawing/2016/SVG/main" r:embed="rId5"/>
+                <asvg:svgBlip xmlns:asvg="http://schemas.microsoft.com/office/drawing/2016/SVG/main" r:embed="rId3"/>
               </a:ext>
             </a:extLst>
           </a:blip>
@@ -4093,163 +3913,14 @@
         </p:blipFill>
         <p:spPr>
           <a:xfrm>
-            <a:off x="8451391" y="1484558"/>
-            <a:ext cx="914400" cy="914400"/>
+            <a:off x="9757865" y="994800"/>
+            <a:ext cx="1720962" cy="1720962"/>
           </a:xfrm>
           <a:prstGeom prst="rect">
             <a:avLst/>
           </a:prstGeom>
         </p:spPr>
       </p:pic>
-      <p:grpSp>
-        <p:nvGrpSpPr>
-          <p:cNvPr id="10" name="Group 9">
-            <a:extLst>
-              <a:ext uri="{FF2B5EF4-FFF2-40B4-BE49-F238E27FC236}">
-                <a16:creationId xmlns:a16="http://schemas.microsoft.com/office/drawing/2014/main" id="{4347A2C1-8034-40E8-8EEF-03CE968D614D}"/>
-              </a:ext>
-            </a:extLst>
-          </p:cNvPr>
-          <p:cNvGrpSpPr/>
-          <p:nvPr/>
-        </p:nvGrpSpPr>
-        <p:grpSpPr>
-          <a:xfrm>
-            <a:off x="10262937" y="1109577"/>
-            <a:ext cx="2658979" cy="1429086"/>
-            <a:chOff x="10262937" y="1109577"/>
-            <a:chExt cx="2658979" cy="1429086"/>
-          </a:xfrm>
-        </p:grpSpPr>
-        <p:cxnSp>
-          <p:nvCxnSpPr>
-            <p:cNvPr id="5" name="Straight Connector 4">
-              <a:extLst>
-                <a:ext uri="{FF2B5EF4-FFF2-40B4-BE49-F238E27FC236}">
-                  <a16:creationId xmlns:a16="http://schemas.microsoft.com/office/drawing/2014/main" id="{AB482111-4B32-498A-B87C-862E4E080CD1}"/>
-                </a:ext>
-              </a:extLst>
-            </p:cNvPr>
-            <p:cNvCxnSpPr>
-              <a:cxnSpLocks/>
-            </p:cNvCxnSpPr>
-            <p:nvPr/>
-          </p:nvCxnSpPr>
-          <p:spPr>
-            <a:xfrm flipH="1">
-              <a:off x="10262937" y="2538663"/>
-              <a:ext cx="2658979" cy="0"/>
-            </a:xfrm>
-            <a:prstGeom prst="line">
-              <a:avLst/>
-            </a:prstGeom>
-            <a:ln w="88900" cap="rnd">
-              <a:solidFill>
-                <a:srgbClr val="E600AA"/>
-              </a:solidFill>
-              <a:round/>
-            </a:ln>
-          </p:spPr>
-          <p:style>
-            <a:lnRef idx="1">
-              <a:schemeClr val="accent1"/>
-            </a:lnRef>
-            <a:fillRef idx="0">
-              <a:schemeClr val="accent1"/>
-            </a:fillRef>
-            <a:effectRef idx="0">
-              <a:schemeClr val="accent1"/>
-            </a:effectRef>
-            <a:fontRef idx="minor">
-              <a:schemeClr val="tx1"/>
-            </a:fontRef>
-          </p:style>
-        </p:cxnSp>
-        <p:cxnSp>
-          <p:nvCxnSpPr>
-            <p:cNvPr id="7" name="Straight Connector 6">
-              <a:extLst>
-                <a:ext uri="{FF2B5EF4-FFF2-40B4-BE49-F238E27FC236}">
-                  <a16:creationId xmlns:a16="http://schemas.microsoft.com/office/drawing/2014/main" id="{10600E58-E2EA-4082-AFF4-F9307CE2CD99}"/>
-                </a:ext>
-              </a:extLst>
-            </p:cNvPr>
-            <p:cNvCxnSpPr/>
-            <p:nvPr/>
-          </p:nvCxnSpPr>
-          <p:spPr>
-            <a:xfrm flipV="1">
-              <a:off x="10407316" y="1109577"/>
-              <a:ext cx="0" cy="1417055"/>
-            </a:xfrm>
-            <a:prstGeom prst="line">
-              <a:avLst/>
-            </a:prstGeom>
-            <a:ln w="88900" cap="rnd">
-              <a:solidFill>
-                <a:srgbClr val="E600AA"/>
-              </a:solidFill>
-              <a:round/>
-            </a:ln>
-          </p:spPr>
-          <p:style>
-            <a:lnRef idx="1">
-              <a:schemeClr val="accent1"/>
-            </a:lnRef>
-            <a:fillRef idx="0">
-              <a:schemeClr val="accent1"/>
-            </a:fillRef>
-            <a:effectRef idx="0">
-              <a:schemeClr val="accent1"/>
-            </a:effectRef>
-            <a:fontRef idx="minor">
-              <a:schemeClr val="tx1"/>
-            </a:fontRef>
-          </p:style>
-        </p:cxnSp>
-        <p:cxnSp>
-          <p:nvCxnSpPr>
-            <p:cNvPr id="34" name="Straight Connector 33">
-              <a:extLst>
-                <a:ext uri="{FF2B5EF4-FFF2-40B4-BE49-F238E27FC236}">
-                  <a16:creationId xmlns:a16="http://schemas.microsoft.com/office/drawing/2014/main" id="{54EDE3D3-7DC7-405F-9420-A700230BE8E4}"/>
-                </a:ext>
-              </a:extLst>
-            </p:cNvPr>
-            <p:cNvCxnSpPr/>
-            <p:nvPr/>
-          </p:nvCxnSpPr>
-          <p:spPr>
-            <a:xfrm flipV="1">
-              <a:off x="10262937" y="1109577"/>
-              <a:ext cx="0" cy="1417055"/>
-            </a:xfrm>
-            <a:prstGeom prst="line">
-              <a:avLst/>
-            </a:prstGeom>
-            <a:ln w="88900" cap="rnd">
-              <a:solidFill>
-                <a:srgbClr val="E600AA"/>
-              </a:solidFill>
-              <a:round/>
-            </a:ln>
-          </p:spPr>
-          <p:style>
-            <a:lnRef idx="1">
-              <a:schemeClr val="accent1"/>
-            </a:lnRef>
-            <a:fillRef idx="0">
-              <a:schemeClr val="accent1"/>
-            </a:fillRef>
-            <a:effectRef idx="0">
-              <a:schemeClr val="accent1"/>
-            </a:effectRef>
-            <a:fontRef idx="minor">
-              <a:schemeClr val="tx1"/>
-            </a:fontRef>
-          </p:style>
-        </p:cxnSp>
-      </p:grpSp>
     </p:spTree>
     <p:extLst>
       <p:ext uri="{BB962C8B-B14F-4D97-AF65-F5344CB8AC3E}">
